--- a/DevOpsPipeline.pptx
+++ b/DevOpsPipeline.pptx
@@ -5608,10 +5608,25 @@
               <a:buNone/>
             </a:pPr>
             <a:r>
-              <a:rPr lang="en" sz="1000"/>
+              <a:rPr lang="en" sz="1000" dirty="0"/>
               <a:t>Build application container or OS image</a:t>
             </a:r>
-            <a:endParaRPr sz="1000"/>
+          </a:p>
+          <a:p>
+            <a:pPr marL="0" lvl="0" indent="0" algn="ctr" rtl="0">
+              <a:spcBef>
+                <a:spcPts val="0"/>
+              </a:spcBef>
+              <a:spcAft>
+                <a:spcPts val="0"/>
+              </a:spcAft>
+              <a:buNone/>
+            </a:pPr>
+            <a:r>
+              <a:rPr lang="en" sz="1000" dirty="0"/>
+              <a:t>(Docker)</a:t>
+            </a:r>
+            <a:endParaRPr sz="1000" dirty="0"/>
           </a:p>
         </p:txBody>
       </p:sp>
@@ -5652,10 +5667,33 @@
               <a:buNone/>
             </a:pPr>
             <a:r>
-              <a:rPr lang="en" sz="1000"/>
+              <a:rPr lang="en" sz="1000" dirty="0"/>
               <a:t>Deploy cloud configuration or application to environment</a:t>
             </a:r>
-            <a:endParaRPr sz="1000"/>
+          </a:p>
+          <a:p>
+            <a:pPr marL="0" lvl="0" indent="0" algn="ctr" rtl="0">
+              <a:spcBef>
+                <a:spcPts val="0"/>
+              </a:spcBef>
+              <a:spcAft>
+                <a:spcPts val="0"/>
+              </a:spcAft>
+              <a:buNone/>
+            </a:pPr>
+            <a:r>
+              <a:rPr lang="en" sz="1000" dirty="0"/>
+              <a:t>(</a:t>
+            </a:r>
+            <a:r>
+              <a:rPr lang="en" sz="1000" dirty="0" err="1"/>
+              <a:t>Kubernetes,Ansible</a:t>
+            </a:r>
+            <a:r>
+              <a:rPr lang="en" sz="1000" dirty="0"/>
+              <a:t>)</a:t>
+            </a:r>
+            <a:endParaRPr sz="1000" dirty="0"/>
           </a:p>
         </p:txBody>
       </p:sp>
@@ -5743,6 +5781,29 @@
               <a:rPr lang="en" sz="1000" dirty="0"/>
               <a:t>Source Code Repository</a:t>
             </a:r>
+          </a:p>
+          <a:p>
+            <a:pPr marL="0" lvl="0" indent="0" algn="ctr" rtl="0">
+              <a:spcBef>
+                <a:spcPts val="0"/>
+              </a:spcBef>
+              <a:spcAft>
+                <a:spcPts val="0"/>
+              </a:spcAft>
+              <a:buNone/>
+            </a:pPr>
+            <a:r>
+              <a:rPr lang="en" sz="1000" dirty="0"/>
+              <a:t>(</a:t>
+            </a:r>
+            <a:r>
+              <a:rPr lang="en" sz="1000" dirty="0" err="1"/>
+              <a:t>Github,Gitlab</a:t>
+            </a:r>
+            <a:r>
+              <a:rPr lang="en" sz="1000" dirty="0"/>
+              <a:t>)</a:t>
+            </a:r>
             <a:endParaRPr sz="1000" dirty="0"/>
           </a:p>
         </p:txBody>
@@ -5786,6 +5847,29 @@
             <a:r>
               <a:rPr lang="en" sz="1000" dirty="0"/>
               <a:t>Infrastructure code change</a:t>
+            </a:r>
+          </a:p>
+          <a:p>
+            <a:pPr marL="0" lvl="0" indent="0" algn="ctr" rtl="0">
+              <a:spcBef>
+                <a:spcPts val="0"/>
+              </a:spcBef>
+              <a:spcAft>
+                <a:spcPts val="0"/>
+              </a:spcAft>
+              <a:buNone/>
+            </a:pPr>
+            <a:r>
+              <a:rPr lang="en" sz="1000" dirty="0"/>
+              <a:t>(Terraform , </a:t>
+            </a:r>
+            <a:r>
+              <a:rPr lang="en" sz="1000" dirty="0" err="1"/>
+              <a:t>cloudformation</a:t>
+            </a:r>
+            <a:r>
+              <a:rPr lang="en" sz="1000" dirty="0"/>
+              <a:t>)</a:t>
             </a:r>
             <a:endParaRPr sz="1000" dirty="0"/>
           </a:p>
@@ -5960,6 +6044,29 @@
               <a:rPr lang="en" sz="1000" dirty="0"/>
               <a:t>Application code or OS change</a:t>
             </a:r>
+          </a:p>
+          <a:p>
+            <a:pPr marL="0" lvl="0" indent="0" algn="ctr" rtl="0">
+              <a:spcBef>
+                <a:spcPts val="0"/>
+              </a:spcBef>
+              <a:spcAft>
+                <a:spcPts val="0"/>
+              </a:spcAft>
+              <a:buNone/>
+            </a:pPr>
+            <a:r>
+              <a:rPr lang="en" sz="1000" dirty="0"/>
+              <a:t>(</a:t>
+            </a:r>
+            <a:r>
+              <a:rPr lang="en" sz="1000" dirty="0" err="1"/>
+              <a:t>Jenkins,circleci</a:t>
+            </a:r>
+            <a:r>
+              <a:rPr lang="en" sz="1000" dirty="0"/>
+              <a:t>)</a:t>
+            </a:r>
             <a:endParaRPr sz="1000" dirty="0"/>
           </a:p>
         </p:txBody>
@@ -6045,6 +6152,29 @@
             <a:r>
               <a:rPr lang="en" sz="1000" dirty="0"/>
               <a:t>Post Deployment Compliance Scanning</a:t>
+            </a:r>
+          </a:p>
+          <a:p>
+            <a:pPr marL="0" lvl="0" indent="0" algn="ctr" rtl="0">
+              <a:spcBef>
+                <a:spcPts val="0"/>
+              </a:spcBef>
+              <a:spcAft>
+                <a:spcPts val="0"/>
+              </a:spcAft>
+              <a:buNone/>
+            </a:pPr>
+            <a:r>
+              <a:rPr lang="en" sz="1000" dirty="0"/>
+              <a:t>(</a:t>
+            </a:r>
+            <a:r>
+              <a:rPr lang="en-US" sz="1100" dirty="0"/>
+              <a:t>OWASP</a:t>
+            </a:r>
+            <a:r>
+              <a:rPr lang="en" sz="1000" dirty="0"/>
+              <a:t>)</a:t>
             </a:r>
             <a:endParaRPr sz="1000" dirty="0"/>
           </a:p>
@@ -6133,6 +6263,29 @@
             <a:r>
               <a:rPr lang="en" sz="1000" dirty="0"/>
               <a:t>Monitoring and incident response</a:t>
+            </a:r>
+          </a:p>
+          <a:p>
+            <a:pPr marL="0" lvl="0" indent="0" algn="ctr" rtl="0">
+              <a:spcBef>
+                <a:spcPts val="0"/>
+              </a:spcBef>
+              <a:spcAft>
+                <a:spcPts val="0"/>
+              </a:spcAft>
+              <a:buNone/>
+            </a:pPr>
+            <a:r>
+              <a:rPr lang="en" sz="1000" dirty="0"/>
+              <a:t>(</a:t>
+            </a:r>
+            <a:r>
+              <a:rPr lang="en-US" sz="1100" dirty="0"/>
+              <a:t>Prometheus</a:t>
+            </a:r>
+            <a:r>
+              <a:rPr lang="en" sz="1000" dirty="0"/>
+              <a:t>)</a:t>
             </a:r>
             <a:endParaRPr sz="1000" dirty="0"/>
           </a:p>
